--- a/doc/01. 프로젝트 설계/04. UI/윈폼 구성 샘플.pptx
+++ b/doc/01. 프로젝트 설계/04. UI/윈폼 구성 샘플.pptx
@@ -9,7 +9,8 @@
     <p:sldId id="257" r:id="rId3"/>
     <p:sldId id="258" r:id="rId4"/>
     <p:sldId id="259" r:id="rId5"/>
-    <p:sldId id="260" r:id="rId6"/>
+    <p:sldId id="261" r:id="rId6"/>
+    <p:sldId id="262" r:id="rId7"/>
   </p:sldIdLst>
   <p:sldSz cx="12192000" cy="6858000"/>
   <p:notesSz cx="6858000" cy="9144000"/>
@@ -3322,6 +3323,79 @@
           </a:p>
         </p:txBody>
       </p:sp>
+      <p:sp>
+        <p:nvSpPr>
+          <p:cNvPr id="12" name="직사각형 11"/>
+          <p:cNvSpPr/>
+          <p:nvPr/>
+        </p:nvSpPr>
+        <p:spPr>
+          <a:xfrm>
+            <a:off x="2545492" y="786195"/>
+            <a:ext cx="8946292" cy="4630182"/>
+          </a:xfrm>
+          <a:prstGeom prst="rect">
+            <a:avLst/>
+          </a:prstGeom>
+          <a:ln>
+            <a:solidFill>
+              <a:schemeClr val="bg1">
+                <a:lumMod val="85000"/>
+              </a:schemeClr>
+            </a:solidFill>
+          </a:ln>
+        </p:spPr>
+        <p:style>
+          <a:lnRef idx="2">
+            <a:schemeClr val="dk1"/>
+          </a:lnRef>
+          <a:fillRef idx="1">
+            <a:schemeClr val="lt1"/>
+          </a:fillRef>
+          <a:effectRef idx="0">
+            <a:schemeClr val="dk1"/>
+          </a:effectRef>
+          <a:fontRef idx="minor">
+            <a:schemeClr val="dk1"/>
+          </a:fontRef>
+        </p:style>
+        <p:txBody>
+          <a:bodyPr rtlCol="0" anchor="ctr"/>
+          <a:lstStyle/>
+          <a:p>
+            <a:pPr algn="ctr"/>
+            <a:r>
+              <a:rPr lang="ko-KR" altLang="en-US" sz="1600" dirty="0" err="1" smtClean="0"/>
+              <a:t>스마트팩토리</a:t>
+            </a:r>
+            <a:r>
+              <a:rPr lang="ko-KR" altLang="en-US" sz="1600" dirty="0" smtClean="0"/>
+              <a:t> 양성 과정</a:t>
+            </a:r>
+            <a:endParaRPr lang="en-US" altLang="ko-KR" sz="1600" dirty="0" smtClean="0"/>
+          </a:p>
+          <a:p>
+            <a:pPr algn="ctr"/>
+            <a:r>
+              <a:rPr lang="en-US" altLang="ko-KR" sz="1600" dirty="0" smtClean="0"/>
+              <a:t>2</a:t>
+            </a:r>
+            <a:r>
+              <a:rPr lang="ko-KR" altLang="en-US" sz="1600" dirty="0" smtClean="0"/>
+              <a:t>조</a:t>
+            </a:r>
+            <a:endParaRPr lang="en-US" altLang="ko-KR" sz="1600" dirty="0" smtClean="0"/>
+          </a:p>
+          <a:p>
+            <a:pPr algn="ctr"/>
+            <a:r>
+              <a:rPr lang="en-US" altLang="ko-KR" sz="1600" dirty="0" smtClean="0"/>
+              <a:t>~~~~</a:t>
+            </a:r>
+            <a:endParaRPr lang="ko-KR" altLang="en-US" sz="1600" dirty="0"/>
+          </a:p>
+        </p:txBody>
+      </p:sp>
     </p:spTree>
     <p:extLst>
       <p:ext uri="{BB962C8B-B14F-4D97-AF65-F5344CB8AC3E}">
@@ -3407,6 +3481,11 @@
           <a:prstGeom prst="rect">
             <a:avLst/>
           </a:prstGeom>
+          <a:solidFill>
+            <a:schemeClr val="bg1">
+              <a:lumMod val="85000"/>
+            </a:schemeClr>
+          </a:solidFill>
         </p:spPr>
         <p:style>
           <a:lnRef idx="2">
@@ -3755,7 +3834,7 @@
         <p:spPr>
           <a:xfrm>
             <a:off x="3610232" y="786196"/>
-            <a:ext cx="4971535" cy="4630182"/>
+            <a:ext cx="5237933" cy="4630182"/>
           </a:xfrm>
           <a:prstGeom prst="rect">
             <a:avLst/>
@@ -4221,98 +4300,6 @@
               <a:t>제품명 선택하면 자동으로</a:t>
             </a:r>
             <a:endParaRPr lang="ko-KR" altLang="en-US" sz="800" dirty="0"/>
-          </a:p>
-        </p:txBody>
-      </p:sp>
-      <p:sp>
-        <p:nvSpPr>
-          <p:cNvPr id="25" name="직사각형 24"/>
-          <p:cNvSpPr/>
-          <p:nvPr/>
-        </p:nvSpPr>
-        <p:spPr>
-          <a:xfrm>
-            <a:off x="3855306" y="4100337"/>
-            <a:ext cx="724932" cy="255374"/>
-          </a:xfrm>
-          <a:prstGeom prst="rect">
-            <a:avLst/>
-          </a:prstGeom>
-        </p:spPr>
-        <p:style>
-          <a:lnRef idx="2">
-            <a:schemeClr val="dk1"/>
-          </a:lnRef>
-          <a:fillRef idx="1">
-            <a:schemeClr val="lt1"/>
-          </a:fillRef>
-          <a:effectRef idx="0">
-            <a:schemeClr val="dk1"/>
-          </a:effectRef>
-          <a:fontRef idx="minor">
-            <a:schemeClr val="dk1"/>
-          </a:fontRef>
-        </p:style>
-        <p:txBody>
-          <a:bodyPr rtlCol="0" anchor="ctr"/>
-          <a:lstStyle/>
-          <a:p>
-            <a:pPr algn="ctr"/>
-            <a:r>
-              <a:rPr lang="ko-KR" altLang="en-US" sz="1050" dirty="0" smtClean="0"/>
-              <a:t>불량률</a:t>
-            </a:r>
-            <a:endParaRPr lang="ko-KR" altLang="en-US" sz="1050" dirty="0"/>
-          </a:p>
-        </p:txBody>
-      </p:sp>
-      <p:sp>
-        <p:nvSpPr>
-          <p:cNvPr id="26" name="직사각형 25"/>
-          <p:cNvSpPr/>
-          <p:nvPr/>
-        </p:nvSpPr>
-        <p:spPr>
-          <a:xfrm>
-            <a:off x="4865462" y="4100337"/>
-            <a:ext cx="1336591" cy="255374"/>
-          </a:xfrm>
-          <a:prstGeom prst="rect">
-            <a:avLst/>
-          </a:prstGeom>
-        </p:spPr>
-        <p:style>
-          <a:lnRef idx="2">
-            <a:schemeClr val="dk1"/>
-          </a:lnRef>
-          <a:fillRef idx="1">
-            <a:schemeClr val="lt1"/>
-          </a:fillRef>
-          <a:effectRef idx="0">
-            <a:schemeClr val="dk1"/>
-          </a:effectRef>
-          <a:fontRef idx="minor">
-            <a:schemeClr val="dk1"/>
-          </a:fontRef>
-        </p:style>
-        <p:txBody>
-          <a:bodyPr rtlCol="0" anchor="ctr"/>
-          <a:lstStyle/>
-          <a:p>
-            <a:pPr algn="ctr"/>
-            <a:r>
-              <a:rPr lang="ko-KR" altLang="en-US" sz="1000" dirty="0" smtClean="0"/>
-              <a:t>직접 입력 </a:t>
-            </a:r>
-            <a:r>
-              <a:rPr lang="en-US" altLang="ko-KR" sz="1000" dirty="0" smtClean="0"/>
-              <a:t>or </a:t>
-            </a:r>
-            <a:r>
-              <a:rPr lang="ko-KR" altLang="en-US" sz="1000" dirty="0" smtClean="0"/>
-              <a:t>선택</a:t>
-            </a:r>
-            <a:endParaRPr lang="ko-KR" altLang="en-US" sz="1000" dirty="0"/>
           </a:p>
         </p:txBody>
       </p:sp>
@@ -4626,6 +4613,11 @@
           <a:prstGeom prst="rect">
             <a:avLst/>
           </a:prstGeom>
+          <a:solidFill>
+            <a:schemeClr val="bg1">
+              <a:lumMod val="85000"/>
+            </a:schemeClr>
+          </a:solidFill>
         </p:spPr>
         <p:style>
           <a:lnRef idx="2">
@@ -4925,56 +4917,14 @@
       </p:sp>
       <p:sp>
         <p:nvSpPr>
-          <p:cNvPr id="13" name="직사각형 12"/>
-          <p:cNvSpPr/>
-          <p:nvPr/>
-        </p:nvSpPr>
-        <p:spPr>
-          <a:xfrm>
-            <a:off x="2887363" y="3021225"/>
-            <a:ext cx="8266670" cy="1550775"/>
-          </a:xfrm>
-          <a:prstGeom prst="rect">
-            <a:avLst/>
-          </a:prstGeom>
-        </p:spPr>
-        <p:style>
-          <a:lnRef idx="2">
-            <a:schemeClr val="dk1"/>
-          </a:lnRef>
-          <a:fillRef idx="1">
-            <a:schemeClr val="lt1"/>
-          </a:fillRef>
-          <a:effectRef idx="0">
-            <a:schemeClr val="dk1"/>
-          </a:effectRef>
-          <a:fontRef idx="minor">
-            <a:schemeClr val="dk1"/>
-          </a:fontRef>
-        </p:style>
-        <p:txBody>
-          <a:bodyPr rtlCol="0" anchor="ctr"/>
-          <a:lstStyle/>
-          <a:p>
-            <a:pPr algn="ctr"/>
-            <a:r>
-              <a:rPr lang="ko-KR" altLang="en-US" sz="1600" smtClean="0"/>
-              <a:t>애니메이션</a:t>
-            </a:r>
-            <a:endParaRPr lang="ko-KR" altLang="en-US" sz="1600" dirty="0"/>
-          </a:p>
-        </p:txBody>
-      </p:sp>
-      <p:sp>
-        <p:nvSpPr>
           <p:cNvPr id="20" name="직사각형 19"/>
           <p:cNvSpPr/>
           <p:nvPr/>
         </p:nvSpPr>
         <p:spPr>
           <a:xfrm>
-            <a:off x="8567353" y="999738"/>
-            <a:ext cx="2586680" cy="1769205"/>
+            <a:off x="8408894" y="999738"/>
+            <a:ext cx="2745139" cy="3419862"/>
           </a:xfrm>
           <a:prstGeom prst="rect">
             <a:avLst/>
@@ -5019,8 +4969,8 @@
         </p:nvSpPr>
         <p:spPr>
           <a:xfrm>
-            <a:off x="5605854" y="999738"/>
-            <a:ext cx="2586680" cy="1769205"/>
+            <a:off x="5262281" y="999738"/>
+            <a:ext cx="2806065" cy="3419862"/>
           </a:xfrm>
           <a:prstGeom prst="rect">
             <a:avLst/>
@@ -5065,7 +5015,7 @@
         </p:nvSpPr>
         <p:spPr>
           <a:xfrm>
-            <a:off x="3999476" y="4705863"/>
+            <a:off x="4337225" y="4629663"/>
             <a:ext cx="1606378" cy="576650"/>
           </a:xfrm>
           <a:prstGeom prst="rect">
@@ -5111,7 +5061,7 @@
         </p:nvSpPr>
         <p:spPr>
           <a:xfrm>
-            <a:off x="8019538" y="4705863"/>
+            <a:off x="7356149" y="4656434"/>
             <a:ext cx="1832919" cy="576650"/>
           </a:xfrm>
           <a:prstGeom prst="rect">
@@ -5157,8 +5107,8 @@
         </p:nvSpPr>
         <p:spPr>
           <a:xfrm>
-            <a:off x="2887363" y="999737"/>
-            <a:ext cx="2156261" cy="1769205"/>
+            <a:off x="2887364" y="999737"/>
+            <a:ext cx="2034370" cy="3419863"/>
           </a:xfrm>
           <a:prstGeom prst="rect">
             <a:avLst/>
@@ -5360,6 +5310,11 @@
           <a:prstGeom prst="rect">
             <a:avLst/>
           </a:prstGeom>
+          <a:solidFill>
+            <a:schemeClr val="bg1">
+              <a:lumMod val="85000"/>
+            </a:schemeClr>
+          </a:solidFill>
         </p:spPr>
         <p:style>
           <a:lnRef idx="2">
@@ -5578,7 +5533,7 @@
         </p:nvSpPr>
         <p:spPr>
           <a:xfrm>
-            <a:off x="2545492" y="786195"/>
+            <a:off x="2276550" y="920666"/>
             <a:ext cx="8946292" cy="4630182"/>
           </a:xfrm>
           <a:prstGeom prst="rect">
@@ -5611,6 +5566,72 @@
           <a:lstStyle/>
           <a:p>
             <a:pPr algn="ctr"/>
+            <a:endParaRPr lang="ko-KR" altLang="en-US" sz="1600" dirty="0"/>
+          </a:p>
+        </p:txBody>
+      </p:sp>
+      <p:sp>
+        <p:nvSpPr>
+          <p:cNvPr id="13" name="직사각형 12"/>
+          <p:cNvSpPr/>
+          <p:nvPr/>
+        </p:nvSpPr>
+        <p:spPr>
+          <a:xfrm>
+            <a:off x="2699104" y="1287034"/>
+            <a:ext cx="8031649" cy="3778025"/>
+          </a:xfrm>
+          <a:prstGeom prst="rect">
+            <a:avLst/>
+          </a:prstGeom>
+        </p:spPr>
+        <p:style>
+          <a:lnRef idx="2">
+            <a:schemeClr val="dk1"/>
+          </a:lnRef>
+          <a:fillRef idx="1">
+            <a:schemeClr val="lt1"/>
+          </a:fillRef>
+          <a:effectRef idx="0">
+            <a:schemeClr val="dk1"/>
+          </a:effectRef>
+          <a:fontRef idx="minor">
+            <a:schemeClr val="dk1"/>
+          </a:fontRef>
+        </p:style>
+        <p:txBody>
+          <a:bodyPr rtlCol="0" anchor="ctr"/>
+          <a:lstStyle/>
+          <a:p>
+            <a:pPr algn="ctr"/>
+            <a:r>
+              <a:rPr lang="ko-KR" altLang="en-US" sz="1600" dirty="0" smtClean="0"/>
+              <a:t>불량품 현황</a:t>
+            </a:r>
+            <a:endParaRPr lang="en-US" altLang="ko-KR" sz="1600" dirty="0" smtClean="0"/>
+          </a:p>
+          <a:p>
+            <a:pPr algn="ctr"/>
+            <a:endParaRPr lang="en-US" altLang="ko-KR" sz="1600" dirty="0"/>
+          </a:p>
+          <a:p>
+            <a:pPr algn="ctr"/>
+            <a:r>
+              <a:rPr lang="en-US" altLang="ko-KR" sz="1600" dirty="0" smtClean="0"/>
+              <a:t>product id, </a:t>
+            </a:r>
+            <a:r>
+              <a:rPr lang="ko-KR" altLang="en-US" sz="1600" dirty="0" smtClean="0"/>
+              <a:t>시간</a:t>
+            </a:r>
+            <a:r>
+              <a:rPr lang="en-US" altLang="ko-KR" sz="1600" dirty="0" smtClean="0"/>
+              <a:t>, </a:t>
+            </a:r>
+            <a:r>
+              <a:rPr lang="ko-KR" altLang="en-US" sz="1600" dirty="0" smtClean="0"/>
+              <a:t>제품명 표 형식으로</a:t>
+            </a:r>
             <a:endParaRPr lang="ko-KR" altLang="en-US" sz="1600" dirty="0"/>
           </a:p>
         </p:txBody>
@@ -5784,6 +5805,9 @@
           <a:prstGeom prst="rect">
             <a:avLst/>
           </a:prstGeom>
+          <a:solidFill>
+            <a:schemeClr val="bg1"/>
+          </a:solidFill>
         </p:spPr>
         <p:style>
           <a:lnRef idx="2">
@@ -5826,28 +5850,33 @@
           <a:prstGeom prst="rect">
             <a:avLst/>
           </a:prstGeom>
-        </p:spPr>
-        <p:style>
-          <a:lnRef idx="2">
-            <a:schemeClr val="dk1"/>
-          </a:lnRef>
-          <a:fillRef idx="1">
-            <a:schemeClr val="lt1"/>
-          </a:fillRef>
-          <a:effectRef idx="0">
-            <a:schemeClr val="dk1"/>
-          </a:effectRef>
-          <a:fontRef idx="minor">
-            <a:schemeClr val="dk1"/>
-          </a:fontRef>
-        </p:style>
-        <p:txBody>
-          <a:bodyPr rtlCol="0" anchor="ctr"/>
-          <a:lstStyle/>
-          <a:p>
-            <a:pPr algn="ctr"/>
-            <a:r>
-              <a:rPr lang="ko-KR" altLang="en-US" sz="1600" smtClean="0"/>
+          <a:solidFill>
+            <a:schemeClr val="bg1">
+              <a:lumMod val="85000"/>
+            </a:schemeClr>
+          </a:solidFill>
+        </p:spPr>
+        <p:style>
+          <a:lnRef idx="2">
+            <a:schemeClr val="dk1"/>
+          </a:lnRef>
+          <a:fillRef idx="1">
+            <a:schemeClr val="lt1"/>
+          </a:fillRef>
+          <a:effectRef idx="0">
+            <a:schemeClr val="dk1"/>
+          </a:effectRef>
+          <a:fontRef idx="minor">
+            <a:schemeClr val="dk1"/>
+          </a:fontRef>
+        </p:style>
+        <p:txBody>
+          <a:bodyPr rtlCol="0" anchor="ctr"/>
+          <a:lstStyle/>
+          <a:p>
+            <a:pPr algn="ctr"/>
+            <a:r>
+              <a:rPr lang="ko-KR" altLang="en-US" sz="1600" dirty="0" smtClean="0"/>
               <a:t>양품 현황</a:t>
             </a:r>
             <a:endParaRPr lang="ko-KR" altLang="en-US" sz="1600" dirty="0"/>
@@ -6002,7 +6031,7 @@
         </p:nvSpPr>
         <p:spPr>
           <a:xfrm>
-            <a:off x="2545492" y="786195"/>
+            <a:off x="2276550" y="920666"/>
             <a:ext cx="8946292" cy="4630182"/>
           </a:xfrm>
           <a:prstGeom prst="rect">
@@ -6039,10 +6068,665 @@
           </a:p>
         </p:txBody>
       </p:sp>
+      <p:sp>
+        <p:nvSpPr>
+          <p:cNvPr id="13" name="직사각형 12"/>
+          <p:cNvSpPr/>
+          <p:nvPr/>
+        </p:nvSpPr>
+        <p:spPr>
+          <a:xfrm>
+            <a:off x="2699104" y="1287034"/>
+            <a:ext cx="8031649" cy="3778025"/>
+          </a:xfrm>
+          <a:prstGeom prst="rect">
+            <a:avLst/>
+          </a:prstGeom>
+        </p:spPr>
+        <p:style>
+          <a:lnRef idx="2">
+            <a:schemeClr val="dk1"/>
+          </a:lnRef>
+          <a:fillRef idx="1">
+            <a:schemeClr val="lt1"/>
+          </a:fillRef>
+          <a:effectRef idx="0">
+            <a:schemeClr val="dk1"/>
+          </a:effectRef>
+          <a:fontRef idx="minor">
+            <a:schemeClr val="dk1"/>
+          </a:fontRef>
+        </p:style>
+        <p:txBody>
+          <a:bodyPr rtlCol="0" anchor="ctr"/>
+          <a:lstStyle/>
+          <a:p>
+            <a:pPr algn="ctr"/>
+            <a:r>
+              <a:rPr lang="ko-KR" altLang="en-US" sz="1600" dirty="0"/>
+              <a:t>양</a:t>
+            </a:r>
+            <a:r>
+              <a:rPr lang="ko-KR" altLang="en-US" sz="1600" dirty="0" smtClean="0"/>
+              <a:t>품 현황</a:t>
+            </a:r>
+            <a:endParaRPr lang="en-US" altLang="ko-KR" sz="1600" dirty="0" smtClean="0"/>
+          </a:p>
+          <a:p>
+            <a:pPr algn="ctr"/>
+            <a:endParaRPr lang="en-US" altLang="ko-KR" sz="1600" dirty="0"/>
+          </a:p>
+          <a:p>
+            <a:pPr algn="ctr"/>
+            <a:r>
+              <a:rPr lang="en-US" altLang="ko-KR" sz="1600" dirty="0" smtClean="0"/>
+              <a:t>product id, </a:t>
+            </a:r>
+            <a:r>
+              <a:rPr lang="ko-KR" altLang="en-US" sz="1600" dirty="0" smtClean="0"/>
+              <a:t>시간</a:t>
+            </a:r>
+            <a:r>
+              <a:rPr lang="en-US" altLang="ko-KR" sz="1600" dirty="0" smtClean="0"/>
+              <a:t>, </a:t>
+            </a:r>
+            <a:r>
+              <a:rPr lang="ko-KR" altLang="en-US" sz="1600" dirty="0" smtClean="0"/>
+              <a:t>제품명 표 </a:t>
+            </a:r>
+            <a:r>
+              <a:rPr lang="ko-KR" altLang="en-US" sz="1600" dirty="0" smtClean="0"/>
+              <a:t>형식으로</a:t>
+            </a:r>
+            <a:endParaRPr lang="ko-KR" altLang="en-US" sz="1600" dirty="0"/>
+          </a:p>
+        </p:txBody>
+      </p:sp>
     </p:spTree>
     <p:extLst>
       <p:ext uri="{BB962C8B-B14F-4D97-AF65-F5344CB8AC3E}">
-        <p14:creationId xmlns:p14="http://schemas.microsoft.com/office/powerpoint/2010/main" val="1586308764"/>
+        <p14:creationId xmlns:p14="http://schemas.microsoft.com/office/powerpoint/2010/main" val="4177765981"/>
+      </p:ext>
+    </p:extLst>
+  </p:cSld>
+  <p:clrMapOvr>
+    <a:masterClrMapping/>
+  </p:clrMapOvr>
+</p:sld>
+</file>
+
+<file path=ppt/slides/slide6.xml><?xml version="1.0" encoding="utf-8"?>
+<p:sld xmlns:a="http://schemas.openxmlformats.org/drawingml/2006/main" xmlns:r="http://schemas.openxmlformats.org/officeDocument/2006/relationships" xmlns:p="http://schemas.openxmlformats.org/presentationml/2006/main">
+  <p:cSld>
+    <p:spTree>
+      <p:nvGrpSpPr>
+        <p:cNvPr id="1" name=""/>
+        <p:cNvGrpSpPr/>
+        <p:nvPr/>
+      </p:nvGrpSpPr>
+      <p:grpSpPr>
+        <a:xfrm>
+          <a:off x="0" y="0"/>
+          <a:ext cx="0" cy="0"/>
+          <a:chOff x="0" y="0"/>
+          <a:chExt cx="0" cy="0"/>
+        </a:xfrm>
+      </p:grpSpPr>
+      <p:sp>
+        <p:nvSpPr>
+          <p:cNvPr id="4" name="직사각형 3"/>
+          <p:cNvSpPr>
+            <a:spLocks/>
+          </p:cNvSpPr>
+          <p:nvPr/>
+        </p:nvSpPr>
+        <p:spPr>
+          <a:xfrm>
+            <a:off x="0" y="1"/>
+            <a:ext cx="12192000" cy="6112476"/>
+          </a:xfrm>
+          <a:prstGeom prst="rect">
+            <a:avLst/>
+          </a:prstGeom>
+          <a:noFill/>
+        </p:spPr>
+        <p:style>
+          <a:lnRef idx="2">
+            <a:schemeClr val="dk1"/>
+          </a:lnRef>
+          <a:fillRef idx="1">
+            <a:schemeClr val="lt1"/>
+          </a:fillRef>
+          <a:effectRef idx="0">
+            <a:schemeClr val="dk1"/>
+          </a:effectRef>
+          <a:fontRef idx="minor">
+            <a:schemeClr val="dk1"/>
+          </a:fontRef>
+        </p:style>
+        <p:txBody>
+          <a:bodyPr rtlCol="0" anchor="ctr"/>
+          <a:lstStyle/>
+          <a:p>
+            <a:pPr algn="ctr"/>
+            <a:endParaRPr lang="ko-KR" altLang="en-US" dirty="0"/>
+          </a:p>
+        </p:txBody>
+      </p:sp>
+      <p:sp>
+        <p:nvSpPr>
+          <p:cNvPr id="5" name="직사각형 4"/>
+          <p:cNvSpPr/>
+          <p:nvPr/>
+        </p:nvSpPr>
+        <p:spPr>
+          <a:xfrm>
+            <a:off x="469557" y="1202723"/>
+            <a:ext cx="1606378" cy="576650"/>
+          </a:xfrm>
+          <a:prstGeom prst="rect">
+            <a:avLst/>
+          </a:prstGeom>
+        </p:spPr>
+        <p:style>
+          <a:lnRef idx="2">
+            <a:schemeClr val="dk1"/>
+          </a:lnRef>
+          <a:fillRef idx="1">
+            <a:schemeClr val="lt1"/>
+          </a:fillRef>
+          <a:effectRef idx="0">
+            <a:schemeClr val="dk1"/>
+          </a:effectRef>
+          <a:fontRef idx="minor">
+            <a:schemeClr val="dk1"/>
+          </a:fontRef>
+        </p:style>
+        <p:txBody>
+          <a:bodyPr rtlCol="0" anchor="ctr"/>
+          <a:lstStyle/>
+          <a:p>
+            <a:pPr algn="ctr"/>
+            <a:r>
+              <a:rPr lang="ko-KR" altLang="en-US" sz="1600" dirty="0" smtClean="0"/>
+              <a:t>구별 작업 시작</a:t>
+            </a:r>
+            <a:endParaRPr lang="ko-KR" altLang="en-US" sz="1600" dirty="0"/>
+          </a:p>
+        </p:txBody>
+      </p:sp>
+      <p:sp>
+        <p:nvSpPr>
+          <p:cNvPr id="6" name="직사각형 5"/>
+          <p:cNvSpPr/>
+          <p:nvPr/>
+        </p:nvSpPr>
+        <p:spPr>
+          <a:xfrm>
+            <a:off x="469557" y="2111974"/>
+            <a:ext cx="1606378" cy="576650"/>
+          </a:xfrm>
+          <a:prstGeom prst="rect">
+            <a:avLst/>
+          </a:prstGeom>
+        </p:spPr>
+        <p:style>
+          <a:lnRef idx="2">
+            <a:schemeClr val="dk1"/>
+          </a:lnRef>
+          <a:fillRef idx="1">
+            <a:schemeClr val="lt1"/>
+          </a:fillRef>
+          <a:effectRef idx="0">
+            <a:schemeClr val="dk1"/>
+          </a:effectRef>
+          <a:fontRef idx="minor">
+            <a:schemeClr val="dk1"/>
+          </a:fontRef>
+        </p:style>
+        <p:txBody>
+          <a:bodyPr rtlCol="0" anchor="ctr"/>
+          <a:lstStyle/>
+          <a:p>
+            <a:pPr algn="ctr"/>
+            <a:r>
+              <a:rPr lang="ko-KR" altLang="en-US" sz="1600" dirty="0" smtClean="0"/>
+              <a:t>라인 모니터링</a:t>
+            </a:r>
+            <a:endParaRPr lang="ko-KR" altLang="en-US" sz="1600" dirty="0"/>
+          </a:p>
+        </p:txBody>
+      </p:sp>
+      <p:sp>
+        <p:nvSpPr>
+          <p:cNvPr id="7" name="직사각형 6"/>
+          <p:cNvSpPr/>
+          <p:nvPr/>
+        </p:nvSpPr>
+        <p:spPr>
+          <a:xfrm>
+            <a:off x="469557" y="3021225"/>
+            <a:ext cx="1606378" cy="576650"/>
+          </a:xfrm>
+          <a:prstGeom prst="rect">
+            <a:avLst/>
+          </a:prstGeom>
+          <a:solidFill>
+            <a:schemeClr val="bg1"/>
+          </a:solidFill>
+        </p:spPr>
+        <p:style>
+          <a:lnRef idx="2">
+            <a:schemeClr val="dk1"/>
+          </a:lnRef>
+          <a:fillRef idx="1">
+            <a:schemeClr val="lt1"/>
+          </a:fillRef>
+          <a:effectRef idx="0">
+            <a:schemeClr val="dk1"/>
+          </a:effectRef>
+          <a:fontRef idx="minor">
+            <a:schemeClr val="dk1"/>
+          </a:fontRef>
+        </p:style>
+        <p:txBody>
+          <a:bodyPr rtlCol="0" anchor="ctr"/>
+          <a:lstStyle/>
+          <a:p>
+            <a:pPr algn="ctr"/>
+            <a:r>
+              <a:rPr lang="ko-KR" altLang="en-US" sz="1600" dirty="0" smtClean="0"/>
+              <a:t>불량품 현황</a:t>
+            </a:r>
+            <a:endParaRPr lang="ko-KR" altLang="en-US" sz="1600" dirty="0"/>
+          </a:p>
+        </p:txBody>
+      </p:sp>
+      <p:sp>
+        <p:nvSpPr>
+          <p:cNvPr id="8" name="직사각형 7"/>
+          <p:cNvSpPr/>
+          <p:nvPr/>
+        </p:nvSpPr>
+        <p:spPr>
+          <a:xfrm>
+            <a:off x="469557" y="3930476"/>
+            <a:ext cx="1606378" cy="576650"/>
+          </a:xfrm>
+          <a:prstGeom prst="rect">
+            <a:avLst/>
+          </a:prstGeom>
+          <a:solidFill>
+            <a:schemeClr val="bg1"/>
+          </a:solidFill>
+        </p:spPr>
+        <p:style>
+          <a:lnRef idx="2">
+            <a:schemeClr val="dk1"/>
+          </a:lnRef>
+          <a:fillRef idx="1">
+            <a:schemeClr val="lt1"/>
+          </a:fillRef>
+          <a:effectRef idx="0">
+            <a:schemeClr val="dk1"/>
+          </a:effectRef>
+          <a:fontRef idx="minor">
+            <a:schemeClr val="dk1"/>
+          </a:fontRef>
+        </p:style>
+        <p:txBody>
+          <a:bodyPr rtlCol="0" anchor="ctr"/>
+          <a:lstStyle/>
+          <a:p>
+            <a:pPr algn="ctr"/>
+            <a:r>
+              <a:rPr lang="ko-KR" altLang="en-US" sz="1600" dirty="0" smtClean="0"/>
+              <a:t>양품 현황</a:t>
+            </a:r>
+            <a:endParaRPr lang="ko-KR" altLang="en-US" sz="1600" dirty="0"/>
+          </a:p>
+        </p:txBody>
+      </p:sp>
+      <p:sp>
+        <p:nvSpPr>
+          <p:cNvPr id="9" name="직사각형 8"/>
+          <p:cNvSpPr/>
+          <p:nvPr/>
+        </p:nvSpPr>
+        <p:spPr>
+          <a:xfrm>
+            <a:off x="469557" y="4839727"/>
+            <a:ext cx="1606378" cy="576650"/>
+          </a:xfrm>
+          <a:prstGeom prst="rect">
+            <a:avLst/>
+          </a:prstGeom>
+          <a:solidFill>
+            <a:schemeClr val="bg1">
+              <a:lumMod val="85000"/>
+            </a:schemeClr>
+          </a:solidFill>
+        </p:spPr>
+        <p:style>
+          <a:lnRef idx="2">
+            <a:schemeClr val="dk1"/>
+          </a:lnRef>
+          <a:fillRef idx="1">
+            <a:schemeClr val="lt1"/>
+          </a:fillRef>
+          <a:effectRef idx="0">
+            <a:schemeClr val="dk1"/>
+          </a:effectRef>
+          <a:fontRef idx="minor">
+            <a:schemeClr val="dk1"/>
+          </a:fontRef>
+        </p:style>
+        <p:txBody>
+          <a:bodyPr rtlCol="0" anchor="ctr"/>
+          <a:lstStyle/>
+          <a:p>
+            <a:pPr algn="ctr"/>
+            <a:r>
+              <a:rPr lang="ko-KR" altLang="en-US" sz="1600" dirty="0" smtClean="0"/>
+              <a:t>라인 긴급 중지</a:t>
+            </a:r>
+            <a:endParaRPr lang="ko-KR" altLang="en-US" sz="1600" dirty="0"/>
+          </a:p>
+        </p:txBody>
+      </p:sp>
+      <p:sp>
+        <p:nvSpPr>
+          <p:cNvPr id="10" name="직사각형 9"/>
+          <p:cNvSpPr/>
+          <p:nvPr/>
+        </p:nvSpPr>
+        <p:spPr>
+          <a:xfrm>
+            <a:off x="469557" y="212638"/>
+            <a:ext cx="1606378" cy="576650"/>
+          </a:xfrm>
+          <a:prstGeom prst="rect">
+            <a:avLst/>
+          </a:prstGeom>
+          <a:ln>
+            <a:solidFill>
+              <a:schemeClr val="bg1">
+                <a:lumMod val="95000"/>
+              </a:schemeClr>
+            </a:solidFill>
+          </a:ln>
+        </p:spPr>
+        <p:style>
+          <a:lnRef idx="2">
+            <a:schemeClr val="dk1"/>
+          </a:lnRef>
+          <a:fillRef idx="1">
+            <a:schemeClr val="lt1"/>
+          </a:fillRef>
+          <a:effectRef idx="0">
+            <a:schemeClr val="dk1"/>
+          </a:effectRef>
+          <a:fontRef idx="minor">
+            <a:schemeClr val="dk1"/>
+          </a:fontRef>
+        </p:style>
+        <p:txBody>
+          <a:bodyPr rtlCol="0" anchor="ctr"/>
+          <a:lstStyle/>
+          <a:p>
+            <a:pPr algn="ctr"/>
+            <a:r>
+              <a:rPr lang="ko-KR" altLang="en-US" sz="1600" dirty="0" smtClean="0"/>
+              <a:t>메뉴</a:t>
+            </a:r>
+            <a:endParaRPr lang="ko-KR" altLang="en-US" sz="1600" dirty="0"/>
+          </a:p>
+        </p:txBody>
+      </p:sp>
+      <p:sp>
+        <p:nvSpPr>
+          <p:cNvPr id="11" name="직사각형 10"/>
+          <p:cNvSpPr/>
+          <p:nvPr/>
+        </p:nvSpPr>
+        <p:spPr>
+          <a:xfrm>
+            <a:off x="9448799" y="194617"/>
+            <a:ext cx="2475470" cy="396962"/>
+          </a:xfrm>
+          <a:prstGeom prst="rect">
+            <a:avLst/>
+          </a:prstGeom>
+          <a:ln>
+            <a:solidFill>
+              <a:schemeClr val="bg1">
+                <a:lumMod val="95000"/>
+              </a:schemeClr>
+            </a:solidFill>
+          </a:ln>
+        </p:spPr>
+        <p:style>
+          <a:lnRef idx="2">
+            <a:schemeClr val="dk1"/>
+          </a:lnRef>
+          <a:fillRef idx="1">
+            <a:schemeClr val="lt1"/>
+          </a:fillRef>
+          <a:effectRef idx="0">
+            <a:schemeClr val="dk1"/>
+          </a:effectRef>
+          <a:fontRef idx="minor">
+            <a:schemeClr val="dk1"/>
+          </a:fontRef>
+        </p:style>
+        <p:txBody>
+          <a:bodyPr rtlCol="0" anchor="ctr"/>
+          <a:lstStyle/>
+          <a:p>
+            <a:pPr algn="ctr"/>
+            <a:r>
+              <a:rPr lang="ko-KR" altLang="en-US" sz="1600" dirty="0" smtClean="0"/>
+              <a:t>실시간 작업 소요 시간</a:t>
+            </a:r>
+            <a:endParaRPr lang="ko-KR" altLang="en-US" sz="1600" dirty="0"/>
+          </a:p>
+        </p:txBody>
+      </p:sp>
+      <p:sp>
+        <p:nvSpPr>
+          <p:cNvPr id="12" name="직사각형 11"/>
+          <p:cNvSpPr/>
+          <p:nvPr/>
+        </p:nvSpPr>
+        <p:spPr>
+          <a:xfrm>
+            <a:off x="2276550" y="920666"/>
+            <a:ext cx="8946292" cy="4630182"/>
+          </a:xfrm>
+          <a:prstGeom prst="rect">
+            <a:avLst/>
+          </a:prstGeom>
+          <a:ln>
+            <a:solidFill>
+              <a:schemeClr val="bg1">
+                <a:lumMod val="85000"/>
+              </a:schemeClr>
+            </a:solidFill>
+          </a:ln>
+        </p:spPr>
+        <p:style>
+          <a:lnRef idx="2">
+            <a:schemeClr val="dk1"/>
+          </a:lnRef>
+          <a:fillRef idx="1">
+            <a:schemeClr val="lt1"/>
+          </a:fillRef>
+          <a:effectRef idx="0">
+            <a:schemeClr val="dk1"/>
+          </a:effectRef>
+          <a:fontRef idx="minor">
+            <a:schemeClr val="dk1"/>
+          </a:fontRef>
+        </p:style>
+        <p:txBody>
+          <a:bodyPr rtlCol="0" anchor="ctr"/>
+          <a:lstStyle/>
+          <a:p>
+            <a:pPr algn="ctr"/>
+            <a:endParaRPr lang="ko-KR" altLang="en-US" sz="1600" dirty="0"/>
+          </a:p>
+        </p:txBody>
+      </p:sp>
+      <p:sp>
+        <p:nvSpPr>
+          <p:cNvPr id="13" name="직사각형 12"/>
+          <p:cNvSpPr/>
+          <p:nvPr/>
+        </p:nvSpPr>
+        <p:spPr>
+          <a:xfrm>
+            <a:off x="3183198" y="1352807"/>
+            <a:ext cx="4902967" cy="3778025"/>
+          </a:xfrm>
+          <a:prstGeom prst="rect">
+            <a:avLst/>
+          </a:prstGeom>
+        </p:spPr>
+        <p:style>
+          <a:lnRef idx="2">
+            <a:schemeClr val="dk1"/>
+          </a:lnRef>
+          <a:fillRef idx="1">
+            <a:schemeClr val="lt1"/>
+          </a:fillRef>
+          <a:effectRef idx="0">
+            <a:schemeClr val="dk1"/>
+          </a:effectRef>
+          <a:fontRef idx="minor">
+            <a:schemeClr val="dk1"/>
+          </a:fontRef>
+        </p:style>
+        <p:txBody>
+          <a:bodyPr rtlCol="0" anchor="ctr"/>
+          <a:lstStyle/>
+          <a:p>
+            <a:pPr algn="ctr"/>
+            <a:r>
+              <a:rPr lang="ko-KR" altLang="en-US" sz="1600" dirty="0" smtClean="0"/>
+              <a:t>정말 중지하시겠습니까</a:t>
+            </a:r>
+            <a:r>
+              <a:rPr lang="en-US" altLang="ko-KR" sz="1600" dirty="0" smtClean="0"/>
+              <a:t>?</a:t>
+            </a:r>
+          </a:p>
+          <a:p>
+            <a:pPr algn="ctr"/>
+            <a:endParaRPr lang="en-US" altLang="ko-KR" sz="1600" dirty="0"/>
+          </a:p>
+          <a:p>
+            <a:pPr algn="ctr"/>
+            <a:endParaRPr lang="en-US" altLang="ko-KR" sz="1600" dirty="0" smtClean="0"/>
+          </a:p>
+          <a:p>
+            <a:pPr algn="ctr"/>
+            <a:r>
+              <a:rPr lang="ko-KR" altLang="en-US" sz="1600" dirty="0" smtClean="0"/>
+              <a:t>예 </a:t>
+            </a:r>
+            <a:r>
+              <a:rPr lang="en-US" altLang="ko-KR" sz="1600" dirty="0" smtClean="0"/>
+              <a:t>/ </a:t>
+            </a:r>
+            <a:r>
+              <a:rPr lang="ko-KR" altLang="en-US" sz="1600" dirty="0" smtClean="0"/>
+              <a:t>아니오 </a:t>
+            </a:r>
+            <a:r>
+              <a:rPr lang="en-US" altLang="ko-KR" sz="1600" dirty="0" smtClean="0"/>
+              <a:t>(</a:t>
+            </a:r>
+            <a:r>
+              <a:rPr lang="ko-KR" altLang="en-US" sz="1600" dirty="0" smtClean="0"/>
+              <a:t>버튼</a:t>
+            </a:r>
+            <a:r>
+              <a:rPr lang="en-US" altLang="ko-KR" sz="1600" dirty="0" smtClean="0"/>
+              <a:t>)</a:t>
+            </a:r>
+            <a:endParaRPr lang="ko-KR" altLang="en-US" sz="1600" dirty="0"/>
+          </a:p>
+        </p:txBody>
+      </p:sp>
+      <p:cxnSp>
+        <p:nvCxnSpPr>
+          <p:cNvPr id="3" name="구부러진 연결선 2"/>
+          <p:cNvCxnSpPr>
+            <a:stCxn id="9" idx="3"/>
+          </p:cNvCxnSpPr>
+          <p:nvPr/>
+        </p:nvCxnSpPr>
+        <p:spPr>
+          <a:xfrm flipV="1">
+            <a:off x="2075935" y="4607859"/>
+            <a:ext cx="999687" cy="520193"/>
+          </a:xfrm>
+          <a:prstGeom prst="curvedConnector3">
+            <a:avLst/>
+          </a:prstGeom>
+          <a:ln>
+            <a:tailEnd type="triangle"/>
+          </a:ln>
+        </p:spPr>
+        <p:style>
+          <a:lnRef idx="1">
+            <a:schemeClr val="dk1"/>
+          </a:lnRef>
+          <a:fillRef idx="0">
+            <a:schemeClr val="dk1"/>
+          </a:fillRef>
+          <a:effectRef idx="0">
+            <a:schemeClr val="dk1"/>
+          </a:effectRef>
+          <a:fontRef idx="minor">
+            <a:schemeClr val="tx1"/>
+          </a:fontRef>
+        </p:style>
+      </p:cxnSp>
+      <p:sp>
+        <p:nvSpPr>
+          <p:cNvPr id="14" name="TextBox 13"/>
+          <p:cNvSpPr txBox="1"/>
+          <p:nvPr/>
+        </p:nvSpPr>
+        <p:spPr>
+          <a:xfrm>
+            <a:off x="2384940" y="4339763"/>
+            <a:ext cx="689869" cy="276999"/>
+          </a:xfrm>
+          <a:prstGeom prst="rect">
+            <a:avLst/>
+          </a:prstGeom>
+          <a:noFill/>
+        </p:spPr>
+        <p:txBody>
+          <a:bodyPr wrap="none" rtlCol="0">
+            <a:spAutoFit/>
+          </a:bodyPr>
+          <a:lstStyle/>
+          <a:p>
+            <a:r>
+              <a:rPr lang="en-US" altLang="ko-KR" sz="1200" dirty="0" smtClean="0"/>
+              <a:t>Pop up</a:t>
+            </a:r>
+            <a:endParaRPr lang="ko-KR" altLang="en-US" sz="1200" dirty="0"/>
+          </a:p>
+        </p:txBody>
+      </p:sp>
+    </p:spTree>
+    <p:extLst>
+      <p:ext uri="{BB962C8B-B14F-4D97-AF65-F5344CB8AC3E}">
+        <p14:creationId xmlns:p14="http://schemas.microsoft.com/office/powerpoint/2010/main" val="1304191083"/>
       </p:ext>
     </p:extLst>
   </p:cSld>

--- a/doc/01. 프로젝트 설계/04. UI/윈폼 구성 샘플.pptx
+++ b/doc/01. 프로젝트 설계/04. UI/윈폼 구성 샘플.pptx
@@ -3023,7 +3023,7 @@
         </p:nvSpPr>
         <p:spPr>
           <a:xfrm>
-            <a:off x="469557" y="1202723"/>
+            <a:off x="469557" y="1220653"/>
             <a:ext cx="1606378" cy="576650"/>
           </a:xfrm>
           <a:prstGeom prst="rect">
@@ -3050,8 +3050,8 @@
           <a:p>
             <a:pPr algn="ctr"/>
             <a:r>
-              <a:rPr lang="ko-KR" altLang="en-US" sz="1600" dirty="0" smtClean="0"/>
-              <a:t>구별 작업 시작</a:t>
+              <a:rPr lang="ko-KR" altLang="en-US" sz="1600" smtClean="0"/>
+              <a:t>작업 시작</a:t>
             </a:r>
             <a:endParaRPr lang="ko-KR" altLang="en-US" sz="1600" dirty="0"/>
           </a:p>
@@ -4051,7 +4051,7 @@
         </p:nvSpPr>
         <p:spPr>
           <a:xfrm>
-            <a:off x="3855306" y="3041799"/>
+            <a:off x="3855306" y="3041793"/>
             <a:ext cx="724932" cy="255374"/>
           </a:xfrm>
           <a:prstGeom prst="rect">
@@ -6132,11 +6132,7 @@
             </a:r>
             <a:r>
               <a:rPr lang="ko-KR" altLang="en-US" sz="1600" dirty="0" smtClean="0"/>
-              <a:t>제품명 표 </a:t>
-            </a:r>
-            <a:r>
-              <a:rPr lang="ko-KR" altLang="en-US" sz="1600" dirty="0" smtClean="0"/>
-              <a:t>형식으로</a:t>
+              <a:t>제품명 표 형식으로</a:t>
             </a:r>
             <a:endParaRPr lang="ko-KR" altLang="en-US" sz="1600" dirty="0"/>
           </a:p>

--- a/doc/01. 프로젝트 설계/04. UI/윈폼 구성 샘플.pptx
+++ b/doc/01. 프로젝트 설계/04. UI/윈폼 구성 샘플.pptx
@@ -248,7 +248,7 @@
           <a:p>
             <a:fld id="{BFC7CD1C-A75A-4822-A2B7-344908CF03CC}" type="datetimeFigureOut">
               <a:rPr lang="ko-KR" altLang="en-US" smtClean="0"/>
-              <a:t>2021-07-21</a:t>
+              <a:t>2021-07-24</a:t>
             </a:fld>
             <a:endParaRPr lang="ko-KR" altLang="en-US"/>
           </a:p>
@@ -418,7 +418,7 @@
           <a:p>
             <a:fld id="{BFC7CD1C-A75A-4822-A2B7-344908CF03CC}" type="datetimeFigureOut">
               <a:rPr lang="ko-KR" altLang="en-US" smtClean="0"/>
-              <a:t>2021-07-21</a:t>
+              <a:t>2021-07-24</a:t>
             </a:fld>
             <a:endParaRPr lang="ko-KR" altLang="en-US"/>
           </a:p>
@@ -598,7 +598,7 @@
           <a:p>
             <a:fld id="{BFC7CD1C-A75A-4822-A2B7-344908CF03CC}" type="datetimeFigureOut">
               <a:rPr lang="ko-KR" altLang="en-US" smtClean="0"/>
-              <a:t>2021-07-21</a:t>
+              <a:t>2021-07-24</a:t>
             </a:fld>
             <a:endParaRPr lang="ko-KR" altLang="en-US"/>
           </a:p>
@@ -768,7 +768,7 @@
           <a:p>
             <a:fld id="{BFC7CD1C-A75A-4822-A2B7-344908CF03CC}" type="datetimeFigureOut">
               <a:rPr lang="ko-KR" altLang="en-US" smtClean="0"/>
-              <a:t>2021-07-21</a:t>
+              <a:t>2021-07-24</a:t>
             </a:fld>
             <a:endParaRPr lang="ko-KR" altLang="en-US"/>
           </a:p>
@@ -1014,7 +1014,7 @@
           <a:p>
             <a:fld id="{BFC7CD1C-A75A-4822-A2B7-344908CF03CC}" type="datetimeFigureOut">
               <a:rPr lang="ko-KR" altLang="en-US" smtClean="0"/>
-              <a:t>2021-07-21</a:t>
+              <a:t>2021-07-24</a:t>
             </a:fld>
             <a:endParaRPr lang="ko-KR" altLang="en-US"/>
           </a:p>
@@ -1246,7 +1246,7 @@
           <a:p>
             <a:fld id="{BFC7CD1C-A75A-4822-A2B7-344908CF03CC}" type="datetimeFigureOut">
               <a:rPr lang="ko-KR" altLang="en-US" smtClean="0"/>
-              <a:t>2021-07-21</a:t>
+              <a:t>2021-07-24</a:t>
             </a:fld>
             <a:endParaRPr lang="ko-KR" altLang="en-US"/>
           </a:p>
@@ -1613,7 +1613,7 @@
           <a:p>
             <a:fld id="{BFC7CD1C-A75A-4822-A2B7-344908CF03CC}" type="datetimeFigureOut">
               <a:rPr lang="ko-KR" altLang="en-US" smtClean="0"/>
-              <a:t>2021-07-21</a:t>
+              <a:t>2021-07-24</a:t>
             </a:fld>
             <a:endParaRPr lang="ko-KR" altLang="en-US"/>
           </a:p>
@@ -1731,7 +1731,7 @@
           <a:p>
             <a:fld id="{BFC7CD1C-A75A-4822-A2B7-344908CF03CC}" type="datetimeFigureOut">
               <a:rPr lang="ko-KR" altLang="en-US" smtClean="0"/>
-              <a:t>2021-07-21</a:t>
+              <a:t>2021-07-24</a:t>
             </a:fld>
             <a:endParaRPr lang="ko-KR" altLang="en-US"/>
           </a:p>
@@ -1826,7 +1826,7 @@
           <a:p>
             <a:fld id="{BFC7CD1C-A75A-4822-A2B7-344908CF03CC}" type="datetimeFigureOut">
               <a:rPr lang="ko-KR" altLang="en-US" smtClean="0"/>
-              <a:t>2021-07-21</a:t>
+              <a:t>2021-07-24</a:t>
             </a:fld>
             <a:endParaRPr lang="ko-KR" altLang="en-US"/>
           </a:p>
@@ -2103,7 +2103,7 @@
           <a:p>
             <a:fld id="{BFC7CD1C-A75A-4822-A2B7-344908CF03CC}" type="datetimeFigureOut">
               <a:rPr lang="ko-KR" altLang="en-US" smtClean="0"/>
-              <a:t>2021-07-21</a:t>
+              <a:t>2021-07-24</a:t>
             </a:fld>
             <a:endParaRPr lang="ko-KR" altLang="en-US"/>
           </a:p>
@@ -2356,7 +2356,7 @@
           <a:p>
             <a:fld id="{BFC7CD1C-A75A-4822-A2B7-344908CF03CC}" type="datetimeFigureOut">
               <a:rPr lang="ko-KR" altLang="en-US" smtClean="0"/>
-              <a:t>2021-07-21</a:t>
+              <a:t>2021-07-24</a:t>
             </a:fld>
             <a:endParaRPr lang="ko-KR" altLang="en-US"/>
           </a:p>
@@ -2569,7 +2569,7 @@
           <a:p>
             <a:fld id="{BFC7CD1C-A75A-4822-A2B7-344908CF03CC}" type="datetimeFigureOut">
               <a:rPr lang="ko-KR" altLang="en-US" smtClean="0"/>
-              <a:t>2021-07-21</a:t>
+              <a:t>2021-07-24</a:t>
             </a:fld>
             <a:endParaRPr lang="ko-KR" altLang="en-US"/>
           </a:p>
@@ -3029,6 +3029,12 @@
           <a:prstGeom prst="rect">
             <a:avLst/>
           </a:prstGeom>
+          <a:solidFill>
+            <a:schemeClr val="accent1">
+              <a:lumMod val="20000"/>
+              <a:lumOff val="80000"/>
+            </a:schemeClr>
+          </a:solidFill>
         </p:spPr>
         <p:style>
           <a:lnRef idx="2">
@@ -3050,8 +3056,8 @@
           <a:p>
             <a:pPr algn="ctr"/>
             <a:r>
-              <a:rPr lang="ko-KR" altLang="en-US" sz="1600" smtClean="0"/>
-              <a:t>작업 시작</a:t>
+              <a:rPr lang="ko-KR" altLang="en-US" sz="1600" dirty="0"/>
+              <a:t>구별 작업 시작</a:t>
             </a:r>
             <a:endParaRPr lang="ko-KR" altLang="en-US" sz="1600" dirty="0"/>
           </a:p>
@@ -3482,8 +3488,9 @@
             <a:avLst/>
           </a:prstGeom>
           <a:solidFill>
-            <a:schemeClr val="bg1">
-              <a:lumMod val="85000"/>
+            <a:schemeClr val="accent1">
+              <a:lumMod val="20000"/>
+              <a:lumOff val="80000"/>
             </a:schemeClr>
           </a:solidFill>
         </p:spPr>
@@ -3654,6 +3661,9 @@
           <a:prstGeom prst="rect">
             <a:avLst/>
           </a:prstGeom>
+          <a:solidFill>
+            <a:srgbClr val="FD7B7B"/>
+          </a:solidFill>
         </p:spPr>
         <p:style>
           <a:lnRef idx="2">
@@ -3777,712 +3787,6 @@
               <a:t>실시간 작업 소요 시간</a:t>
             </a:r>
             <a:endParaRPr lang="ko-KR" altLang="en-US" sz="1600" dirty="0"/>
-          </a:p>
-        </p:txBody>
-      </p:sp>
-      <p:sp>
-        <p:nvSpPr>
-          <p:cNvPr id="12" name="직사각형 11"/>
-          <p:cNvSpPr/>
-          <p:nvPr/>
-        </p:nvSpPr>
-        <p:spPr>
-          <a:xfrm>
-            <a:off x="2545492" y="786195"/>
-            <a:ext cx="8946292" cy="4630182"/>
-          </a:xfrm>
-          <a:prstGeom prst="rect">
-            <a:avLst/>
-          </a:prstGeom>
-          <a:ln>
-            <a:solidFill>
-              <a:schemeClr val="bg1">
-                <a:lumMod val="85000"/>
-              </a:schemeClr>
-            </a:solidFill>
-          </a:ln>
-        </p:spPr>
-        <p:style>
-          <a:lnRef idx="2">
-            <a:schemeClr val="dk1"/>
-          </a:lnRef>
-          <a:fillRef idx="1">
-            <a:schemeClr val="lt1"/>
-          </a:fillRef>
-          <a:effectRef idx="0">
-            <a:schemeClr val="dk1"/>
-          </a:effectRef>
-          <a:fontRef idx="minor">
-            <a:schemeClr val="dk1"/>
-          </a:fontRef>
-        </p:style>
-        <p:txBody>
-          <a:bodyPr rtlCol="0" anchor="ctr"/>
-          <a:lstStyle/>
-          <a:p>
-            <a:pPr algn="ctr"/>
-            <a:endParaRPr lang="ko-KR" altLang="en-US" sz="1600" dirty="0"/>
-          </a:p>
-        </p:txBody>
-      </p:sp>
-      <p:sp>
-        <p:nvSpPr>
-          <p:cNvPr id="13" name="직사각형 12"/>
-          <p:cNvSpPr/>
-          <p:nvPr/>
-        </p:nvSpPr>
-        <p:spPr>
-          <a:xfrm>
-            <a:off x="3610232" y="786196"/>
-            <a:ext cx="5237933" cy="4630182"/>
-          </a:xfrm>
-          <a:prstGeom prst="rect">
-            <a:avLst/>
-          </a:prstGeom>
-        </p:spPr>
-        <p:style>
-          <a:lnRef idx="2">
-            <a:schemeClr val="dk1"/>
-          </a:lnRef>
-          <a:fillRef idx="1">
-            <a:schemeClr val="lt1"/>
-          </a:fillRef>
-          <a:effectRef idx="0">
-            <a:schemeClr val="dk1"/>
-          </a:effectRef>
-          <a:fontRef idx="minor">
-            <a:schemeClr val="dk1"/>
-          </a:fontRef>
-        </p:style>
-        <p:txBody>
-          <a:bodyPr rtlCol="0" anchor="ctr"/>
-          <a:lstStyle/>
-          <a:p>
-            <a:pPr algn="ctr"/>
-            <a:endParaRPr lang="ko-KR" altLang="en-US" sz="1600" dirty="0"/>
-          </a:p>
-        </p:txBody>
-      </p:sp>
-      <p:sp>
-        <p:nvSpPr>
-          <p:cNvPr id="14" name="직사각형 13"/>
-          <p:cNvSpPr/>
-          <p:nvPr/>
-        </p:nvSpPr>
-        <p:spPr>
-          <a:xfrm>
-            <a:off x="3855306" y="1453977"/>
-            <a:ext cx="724932" cy="255374"/>
-          </a:xfrm>
-          <a:prstGeom prst="rect">
-            <a:avLst/>
-          </a:prstGeom>
-        </p:spPr>
-        <p:style>
-          <a:lnRef idx="2">
-            <a:schemeClr val="dk1"/>
-          </a:lnRef>
-          <a:fillRef idx="1">
-            <a:schemeClr val="lt1"/>
-          </a:fillRef>
-          <a:effectRef idx="0">
-            <a:schemeClr val="dk1"/>
-          </a:effectRef>
-          <a:fontRef idx="minor">
-            <a:schemeClr val="dk1"/>
-          </a:fontRef>
-        </p:style>
-        <p:txBody>
-          <a:bodyPr rtlCol="0" anchor="ctr"/>
-          <a:lstStyle/>
-          <a:p>
-            <a:pPr algn="ctr"/>
-            <a:r>
-              <a:rPr lang="ko-KR" altLang="en-US" sz="1050" dirty="0" smtClean="0"/>
-              <a:t>제품명</a:t>
-            </a:r>
-            <a:endParaRPr lang="ko-KR" altLang="en-US" sz="1050" dirty="0"/>
-          </a:p>
-        </p:txBody>
-      </p:sp>
-      <p:sp>
-        <p:nvSpPr>
-          <p:cNvPr id="15" name="직사각형 14"/>
-          <p:cNvSpPr/>
-          <p:nvPr/>
-        </p:nvSpPr>
-        <p:spPr>
-          <a:xfrm>
-            <a:off x="4866500" y="1453977"/>
-            <a:ext cx="1336591" cy="255374"/>
-          </a:xfrm>
-          <a:prstGeom prst="rect">
-            <a:avLst/>
-          </a:prstGeom>
-        </p:spPr>
-        <p:style>
-          <a:lnRef idx="2">
-            <a:schemeClr val="dk1"/>
-          </a:lnRef>
-          <a:fillRef idx="1">
-            <a:schemeClr val="lt1"/>
-          </a:fillRef>
-          <a:effectRef idx="0">
-            <a:schemeClr val="dk1"/>
-          </a:effectRef>
-          <a:fontRef idx="minor">
-            <a:schemeClr val="dk1"/>
-          </a:fontRef>
-        </p:style>
-        <p:txBody>
-          <a:bodyPr rtlCol="0" anchor="ctr"/>
-          <a:lstStyle/>
-          <a:p>
-            <a:pPr algn="ctr"/>
-            <a:r>
-              <a:rPr lang="ko-KR" altLang="en-US" sz="1050" dirty="0" smtClean="0"/>
-              <a:t>리스트</a:t>
-            </a:r>
-            <a:r>
-              <a:rPr lang="en-US" altLang="ko-KR" sz="1050" dirty="0" smtClean="0"/>
-              <a:t>(</a:t>
-            </a:r>
-            <a:r>
-              <a:rPr lang="ko-KR" altLang="en-US" sz="1050" dirty="0" smtClean="0"/>
-              <a:t>용량</a:t>
-            </a:r>
-            <a:r>
-              <a:rPr lang="en-US" altLang="ko-KR" sz="1050" dirty="0" smtClean="0"/>
-              <a:t>)</a:t>
-            </a:r>
-            <a:endParaRPr lang="ko-KR" altLang="en-US" sz="1050" dirty="0"/>
-          </a:p>
-        </p:txBody>
-      </p:sp>
-      <p:sp>
-        <p:nvSpPr>
-          <p:cNvPr id="16" name="직사각형 15"/>
-          <p:cNvSpPr/>
-          <p:nvPr/>
-        </p:nvSpPr>
-        <p:spPr>
-          <a:xfrm>
-            <a:off x="3855306" y="2512521"/>
-            <a:ext cx="724932" cy="255374"/>
-          </a:xfrm>
-          <a:prstGeom prst="rect">
-            <a:avLst/>
-          </a:prstGeom>
-        </p:spPr>
-        <p:style>
-          <a:lnRef idx="2">
-            <a:schemeClr val="dk1"/>
-          </a:lnRef>
-          <a:fillRef idx="1">
-            <a:schemeClr val="lt1"/>
-          </a:fillRef>
-          <a:effectRef idx="0">
-            <a:schemeClr val="dk1"/>
-          </a:effectRef>
-          <a:fontRef idx="minor">
-            <a:schemeClr val="dk1"/>
-          </a:fontRef>
-        </p:style>
-        <p:txBody>
-          <a:bodyPr rtlCol="0" anchor="ctr"/>
-          <a:lstStyle/>
-          <a:p>
-            <a:pPr algn="ctr"/>
-            <a:r>
-              <a:rPr lang="ko-KR" altLang="en-US" sz="600" smtClean="0"/>
-              <a:t>제품 일련 번호</a:t>
-            </a:r>
-            <a:endParaRPr lang="ko-KR" altLang="en-US" sz="600" dirty="0"/>
-          </a:p>
-        </p:txBody>
-      </p:sp>
-      <p:sp>
-        <p:nvSpPr>
-          <p:cNvPr id="17" name="직사각형 16"/>
-          <p:cNvSpPr/>
-          <p:nvPr/>
-        </p:nvSpPr>
-        <p:spPr>
-          <a:xfrm>
-            <a:off x="4866499" y="2512521"/>
-            <a:ext cx="1336591" cy="255374"/>
-          </a:xfrm>
-          <a:prstGeom prst="rect">
-            <a:avLst/>
-          </a:prstGeom>
-        </p:spPr>
-        <p:style>
-          <a:lnRef idx="2">
-            <a:schemeClr val="dk1"/>
-          </a:lnRef>
-          <a:fillRef idx="1">
-            <a:schemeClr val="lt1"/>
-          </a:fillRef>
-          <a:effectRef idx="0">
-            <a:schemeClr val="dk1"/>
-          </a:effectRef>
-          <a:fontRef idx="minor">
-            <a:schemeClr val="dk1"/>
-          </a:fontRef>
-        </p:style>
-        <p:txBody>
-          <a:bodyPr rtlCol="0" anchor="ctr"/>
-          <a:lstStyle/>
-          <a:p>
-            <a:pPr algn="ctr"/>
-            <a:r>
-              <a:rPr lang="ko-KR" altLang="en-US" sz="800" dirty="0" smtClean="0"/>
-              <a:t>제품명 선택하면 자동으로 </a:t>
-            </a:r>
-            <a:endParaRPr lang="ko-KR" altLang="en-US" sz="800" dirty="0"/>
-          </a:p>
-        </p:txBody>
-      </p:sp>
-      <p:sp>
-        <p:nvSpPr>
-          <p:cNvPr id="18" name="직사각형 17"/>
-          <p:cNvSpPr/>
-          <p:nvPr/>
-        </p:nvSpPr>
-        <p:spPr>
-          <a:xfrm>
-            <a:off x="3855306" y="3041793"/>
-            <a:ext cx="724932" cy="255374"/>
-          </a:xfrm>
-          <a:prstGeom prst="rect">
-            <a:avLst/>
-          </a:prstGeom>
-        </p:spPr>
-        <p:style>
-          <a:lnRef idx="2">
-            <a:schemeClr val="dk1"/>
-          </a:lnRef>
-          <a:fillRef idx="1">
-            <a:schemeClr val="lt1"/>
-          </a:fillRef>
-          <a:effectRef idx="0">
-            <a:schemeClr val="dk1"/>
-          </a:effectRef>
-          <a:fontRef idx="minor">
-            <a:schemeClr val="dk1"/>
-          </a:fontRef>
-        </p:style>
-        <p:txBody>
-          <a:bodyPr rtlCol="0" anchor="ctr"/>
-          <a:lstStyle/>
-          <a:p>
-            <a:pPr algn="ctr"/>
-            <a:r>
-              <a:rPr lang="ko-KR" altLang="en-US" sz="1050" dirty="0" smtClean="0"/>
-              <a:t>칼로리</a:t>
-            </a:r>
-            <a:endParaRPr lang="ko-KR" altLang="en-US" sz="1050" dirty="0"/>
-          </a:p>
-        </p:txBody>
-      </p:sp>
-      <p:sp>
-        <p:nvSpPr>
-          <p:cNvPr id="20" name="직사각형 19"/>
-          <p:cNvSpPr/>
-          <p:nvPr/>
-        </p:nvSpPr>
-        <p:spPr>
-          <a:xfrm>
-            <a:off x="4866498" y="3041793"/>
-            <a:ext cx="1336591" cy="255374"/>
-          </a:xfrm>
-          <a:prstGeom prst="rect">
-            <a:avLst/>
-          </a:prstGeom>
-        </p:spPr>
-        <p:style>
-          <a:lnRef idx="2">
-            <a:schemeClr val="dk1"/>
-          </a:lnRef>
-          <a:fillRef idx="1">
-            <a:schemeClr val="lt1"/>
-          </a:fillRef>
-          <a:effectRef idx="0">
-            <a:schemeClr val="dk1"/>
-          </a:effectRef>
-          <a:fontRef idx="minor">
-            <a:schemeClr val="dk1"/>
-          </a:fontRef>
-        </p:style>
-        <p:txBody>
-          <a:bodyPr rtlCol="0" anchor="ctr"/>
-          <a:lstStyle/>
-          <a:p>
-            <a:pPr algn="ctr"/>
-            <a:r>
-              <a:rPr lang="ko-KR" altLang="en-US" sz="800" dirty="0" smtClean="0"/>
-              <a:t>제품명 선택하면 자동으로 </a:t>
-            </a:r>
-            <a:endParaRPr lang="ko-KR" altLang="en-US" sz="800" dirty="0"/>
-          </a:p>
-        </p:txBody>
-      </p:sp>
-      <p:sp>
-        <p:nvSpPr>
-          <p:cNvPr id="21" name="직사각형 20"/>
-          <p:cNvSpPr/>
-          <p:nvPr/>
-        </p:nvSpPr>
-        <p:spPr>
-          <a:xfrm>
-            <a:off x="3855306" y="3571077"/>
-            <a:ext cx="724932" cy="255374"/>
-          </a:xfrm>
-          <a:prstGeom prst="rect">
-            <a:avLst/>
-          </a:prstGeom>
-        </p:spPr>
-        <p:style>
-          <a:lnRef idx="2">
-            <a:schemeClr val="dk1"/>
-          </a:lnRef>
-          <a:fillRef idx="1">
-            <a:schemeClr val="lt1"/>
-          </a:fillRef>
-          <a:effectRef idx="0">
-            <a:schemeClr val="dk1"/>
-          </a:effectRef>
-          <a:fontRef idx="minor">
-            <a:schemeClr val="dk1"/>
-          </a:fontRef>
-        </p:style>
-        <p:txBody>
-          <a:bodyPr rtlCol="0" anchor="ctr"/>
-          <a:lstStyle/>
-          <a:p>
-            <a:pPr algn="ctr"/>
-            <a:r>
-              <a:rPr lang="ko-KR" altLang="en-US" sz="1050" dirty="0" smtClean="0"/>
-              <a:t>수량</a:t>
-            </a:r>
-            <a:endParaRPr lang="ko-KR" altLang="en-US" sz="1050" dirty="0"/>
-          </a:p>
-        </p:txBody>
-      </p:sp>
-      <p:sp>
-        <p:nvSpPr>
-          <p:cNvPr id="22" name="직사각형 21"/>
-          <p:cNvSpPr/>
-          <p:nvPr/>
-        </p:nvSpPr>
-        <p:spPr>
-          <a:xfrm>
-            <a:off x="4866498" y="3571077"/>
-            <a:ext cx="1336591" cy="255374"/>
-          </a:xfrm>
-          <a:prstGeom prst="rect">
-            <a:avLst/>
-          </a:prstGeom>
-        </p:spPr>
-        <p:style>
-          <a:lnRef idx="2">
-            <a:schemeClr val="dk1"/>
-          </a:lnRef>
-          <a:fillRef idx="1">
-            <a:schemeClr val="lt1"/>
-          </a:fillRef>
-          <a:effectRef idx="0">
-            <a:schemeClr val="dk1"/>
-          </a:effectRef>
-          <a:fontRef idx="minor">
-            <a:schemeClr val="dk1"/>
-          </a:fontRef>
-        </p:style>
-        <p:txBody>
-          <a:bodyPr rtlCol="0" anchor="ctr"/>
-          <a:lstStyle/>
-          <a:p>
-            <a:pPr algn="ctr"/>
-            <a:r>
-              <a:rPr lang="ko-KR" altLang="en-US" sz="1000" dirty="0" smtClean="0"/>
-              <a:t>직접 입력 </a:t>
-            </a:r>
-            <a:r>
-              <a:rPr lang="en-US" altLang="ko-KR" sz="1000" dirty="0" smtClean="0"/>
-              <a:t>or </a:t>
-            </a:r>
-            <a:r>
-              <a:rPr lang="ko-KR" altLang="en-US" sz="1000" dirty="0" smtClean="0"/>
-              <a:t>선택</a:t>
-            </a:r>
-            <a:endParaRPr lang="ko-KR" altLang="en-US" sz="1000" dirty="0"/>
-          </a:p>
-        </p:txBody>
-      </p:sp>
-      <p:sp>
-        <p:nvSpPr>
-          <p:cNvPr id="23" name="직사각형 22"/>
-          <p:cNvSpPr/>
-          <p:nvPr/>
-        </p:nvSpPr>
-        <p:spPr>
-          <a:xfrm>
-            <a:off x="3855306" y="1970131"/>
-            <a:ext cx="724932" cy="255374"/>
-          </a:xfrm>
-          <a:prstGeom prst="rect">
-            <a:avLst/>
-          </a:prstGeom>
-        </p:spPr>
-        <p:style>
-          <a:lnRef idx="2">
-            <a:schemeClr val="dk1"/>
-          </a:lnRef>
-          <a:fillRef idx="1">
-            <a:schemeClr val="lt1"/>
-          </a:fillRef>
-          <a:effectRef idx="0">
-            <a:schemeClr val="dk1"/>
-          </a:effectRef>
-          <a:fontRef idx="minor">
-            <a:schemeClr val="dk1"/>
-          </a:fontRef>
-        </p:style>
-        <p:txBody>
-          <a:bodyPr rtlCol="0" anchor="ctr"/>
-          <a:lstStyle/>
-          <a:p>
-            <a:pPr algn="ctr"/>
-            <a:r>
-              <a:rPr lang="ko-KR" altLang="en-US" sz="1050" dirty="0" smtClean="0"/>
-              <a:t>제조회사</a:t>
-            </a:r>
-            <a:endParaRPr lang="ko-KR" altLang="en-US" sz="1050" dirty="0"/>
-          </a:p>
-        </p:txBody>
-      </p:sp>
-      <p:sp>
-        <p:nvSpPr>
-          <p:cNvPr id="24" name="직사각형 23"/>
-          <p:cNvSpPr/>
-          <p:nvPr/>
-        </p:nvSpPr>
-        <p:spPr>
-          <a:xfrm>
-            <a:off x="4866498" y="1983249"/>
-            <a:ext cx="1336591" cy="255374"/>
-          </a:xfrm>
-          <a:prstGeom prst="rect">
-            <a:avLst/>
-          </a:prstGeom>
-        </p:spPr>
-        <p:style>
-          <a:lnRef idx="2">
-            <a:schemeClr val="dk1"/>
-          </a:lnRef>
-          <a:fillRef idx="1">
-            <a:schemeClr val="lt1"/>
-          </a:fillRef>
-          <a:effectRef idx="0">
-            <a:schemeClr val="dk1"/>
-          </a:effectRef>
-          <a:fontRef idx="minor">
-            <a:schemeClr val="dk1"/>
-          </a:fontRef>
-        </p:style>
-        <p:txBody>
-          <a:bodyPr rtlCol="0" anchor="ctr"/>
-          <a:lstStyle/>
-          <a:p>
-            <a:pPr algn="ctr"/>
-            <a:r>
-              <a:rPr lang="ko-KR" altLang="en-US" sz="800" dirty="0" smtClean="0"/>
-              <a:t>제품명 선택하면 자동으로</a:t>
-            </a:r>
-            <a:endParaRPr lang="ko-KR" altLang="en-US" sz="800" dirty="0"/>
-          </a:p>
-        </p:txBody>
-      </p:sp>
-      <p:sp>
-        <p:nvSpPr>
-          <p:cNvPr id="27" name="직사각형 26"/>
-          <p:cNvSpPr/>
-          <p:nvPr/>
-        </p:nvSpPr>
-        <p:spPr>
-          <a:xfrm>
-            <a:off x="6890943" y="1449731"/>
-            <a:ext cx="1219201" cy="1040800"/>
-          </a:xfrm>
-          <a:prstGeom prst="rect">
-            <a:avLst/>
-          </a:prstGeom>
-        </p:spPr>
-        <p:style>
-          <a:lnRef idx="2">
-            <a:schemeClr val="dk1"/>
-          </a:lnRef>
-          <a:fillRef idx="1">
-            <a:schemeClr val="lt1"/>
-          </a:fillRef>
-          <a:effectRef idx="0">
-            <a:schemeClr val="dk1"/>
-          </a:effectRef>
-          <a:fontRef idx="minor">
-            <a:schemeClr val="dk1"/>
-          </a:fontRef>
-        </p:style>
-        <p:txBody>
-          <a:bodyPr rtlCol="0" anchor="ctr"/>
-          <a:lstStyle/>
-          <a:p>
-            <a:pPr algn="ctr"/>
-            <a:r>
-              <a:rPr lang="ko-KR" altLang="en-US" sz="1050" dirty="0" smtClean="0"/>
-              <a:t>제품 선택하면 자동으로 이미지 </a:t>
-            </a:r>
-            <a:endParaRPr lang="en-US" altLang="ko-KR" sz="1050" dirty="0" smtClean="0"/>
-          </a:p>
-          <a:p>
-            <a:pPr algn="ctr"/>
-            <a:r>
-              <a:rPr lang="ko-KR" altLang="en-US" sz="1050" dirty="0" smtClean="0"/>
-              <a:t>호출</a:t>
-            </a:r>
-            <a:endParaRPr lang="ko-KR" altLang="en-US" sz="1050" dirty="0"/>
-          </a:p>
-        </p:txBody>
-      </p:sp>
-      <p:sp>
-        <p:nvSpPr>
-          <p:cNvPr id="28" name="직사각형 27"/>
-          <p:cNvSpPr/>
-          <p:nvPr/>
-        </p:nvSpPr>
-        <p:spPr>
-          <a:xfrm>
-            <a:off x="6890943" y="4355711"/>
-            <a:ext cx="1404544" cy="373793"/>
-          </a:xfrm>
-          <a:prstGeom prst="rect">
-            <a:avLst/>
-          </a:prstGeom>
-        </p:spPr>
-        <p:style>
-          <a:lnRef idx="2">
-            <a:schemeClr val="dk1"/>
-          </a:lnRef>
-          <a:fillRef idx="1">
-            <a:schemeClr val="lt1"/>
-          </a:fillRef>
-          <a:effectRef idx="0">
-            <a:schemeClr val="dk1"/>
-          </a:effectRef>
-          <a:fontRef idx="minor">
-            <a:schemeClr val="dk1"/>
-          </a:fontRef>
-        </p:style>
-        <p:txBody>
-          <a:bodyPr rtlCol="0" anchor="ctr"/>
-          <a:lstStyle/>
-          <a:p>
-            <a:pPr algn="ctr"/>
-            <a:r>
-              <a:rPr lang="ko-KR" altLang="en-US" sz="1050" dirty="0" smtClean="0"/>
-              <a:t>작업 시작</a:t>
-            </a:r>
-            <a:endParaRPr lang="ko-KR" altLang="en-US" sz="1050" dirty="0"/>
-          </a:p>
-        </p:txBody>
-      </p:sp>
-      <p:sp>
-        <p:nvSpPr>
-          <p:cNvPr id="29" name="직사각형 28"/>
-          <p:cNvSpPr/>
-          <p:nvPr/>
-        </p:nvSpPr>
-        <p:spPr>
-          <a:xfrm>
-            <a:off x="6890943" y="4844875"/>
-            <a:ext cx="1404543" cy="373793"/>
-          </a:xfrm>
-          <a:prstGeom prst="rect">
-            <a:avLst/>
-          </a:prstGeom>
-        </p:spPr>
-        <p:style>
-          <a:lnRef idx="2">
-            <a:schemeClr val="dk1"/>
-          </a:lnRef>
-          <a:fillRef idx="1">
-            <a:schemeClr val="lt1"/>
-          </a:fillRef>
-          <a:effectRef idx="0">
-            <a:schemeClr val="dk1"/>
-          </a:effectRef>
-          <a:fontRef idx="minor">
-            <a:schemeClr val="dk1"/>
-          </a:fontRef>
-        </p:style>
-        <p:txBody>
-          <a:bodyPr rtlCol="0" anchor="ctr"/>
-          <a:lstStyle/>
-          <a:p>
-            <a:pPr algn="ctr"/>
-            <a:r>
-              <a:rPr lang="ko-KR" altLang="en-US" sz="1050" dirty="0" smtClean="0"/>
-              <a:t>취소</a:t>
-            </a:r>
-            <a:endParaRPr lang="ko-KR" altLang="en-US" sz="1050" dirty="0"/>
-          </a:p>
-        </p:txBody>
-      </p:sp>
-      <p:sp>
-        <p:nvSpPr>
-          <p:cNvPr id="30" name="직사각형 29"/>
-          <p:cNvSpPr/>
-          <p:nvPr/>
-        </p:nvSpPr>
-        <p:spPr>
-          <a:xfrm>
-            <a:off x="3855306" y="1037357"/>
-            <a:ext cx="1010156" cy="236673"/>
-          </a:xfrm>
-          <a:prstGeom prst="rect">
-            <a:avLst/>
-          </a:prstGeom>
-          <a:ln>
-            <a:solidFill>
-              <a:schemeClr val="bg1">
-                <a:lumMod val="95000"/>
-              </a:schemeClr>
-            </a:solidFill>
-          </a:ln>
-        </p:spPr>
-        <p:style>
-          <a:lnRef idx="2">
-            <a:schemeClr val="dk1"/>
-          </a:lnRef>
-          <a:fillRef idx="1">
-            <a:schemeClr val="lt1"/>
-          </a:fillRef>
-          <a:effectRef idx="0">
-            <a:schemeClr val="dk1"/>
-          </a:effectRef>
-          <a:fontRef idx="minor">
-            <a:schemeClr val="dk1"/>
-          </a:fontRef>
-        </p:style>
-        <p:txBody>
-          <a:bodyPr rtlCol="0" anchor="ctr"/>
-          <a:lstStyle/>
-          <a:p>
-            <a:pPr algn="ctr"/>
-            <a:r>
-              <a:rPr lang="ko-KR" altLang="en-US" sz="800" dirty="0" smtClean="0"/>
-              <a:t>작업 내용</a:t>
-            </a:r>
-            <a:endParaRPr lang="ko-KR" altLang="en-US" sz="800" dirty="0"/>
           </a:p>
         </p:txBody>
       </p:sp>
@@ -4878,7 +4182,7 @@
         </p:nvSpPr>
         <p:spPr>
           <a:xfrm>
-            <a:off x="2545492" y="786195"/>
+            <a:off x="2545492" y="587456"/>
             <a:ext cx="8946292" cy="4630182"/>
           </a:xfrm>
           <a:prstGeom prst="rect">
@@ -4969,8 +4273,8 @@
         </p:nvSpPr>
         <p:spPr>
           <a:xfrm>
-            <a:off x="5262281" y="999738"/>
-            <a:ext cx="2806065" cy="3419862"/>
+            <a:off x="7175691" y="999737"/>
+            <a:ext cx="3978342" cy="3419862"/>
           </a:xfrm>
           <a:prstGeom prst="rect">
             <a:avLst/>
@@ -5015,8 +4319,8 @@
         </p:nvSpPr>
         <p:spPr>
           <a:xfrm>
-            <a:off x="4337225" y="4629663"/>
-            <a:ext cx="1606378" cy="576650"/>
+            <a:off x="7950200" y="4629662"/>
+            <a:ext cx="2812534" cy="576650"/>
           </a:xfrm>
           <a:prstGeom prst="rect">
             <a:avLst/>
@@ -5043,104 +4347,48 @@
             <a:pPr algn="ctr"/>
             <a:r>
               <a:rPr lang="ko-KR" altLang="en-US" sz="1600" dirty="0" smtClean="0"/>
-              <a:t>양품 개수 </a:t>
+              <a:t>양품</a:t>
+            </a:r>
+            <a:r>
+              <a:rPr lang="en-US" altLang="ko-KR" sz="1600" dirty="0"/>
+              <a:t> </a:t>
             </a:r>
             <a:r>
               <a:rPr lang="en-US" altLang="ko-KR" sz="1600" dirty="0" smtClean="0"/>
-              <a:t>: ~~</a:t>
+              <a:t>/ </a:t>
+            </a:r>
+            <a:r>
+              <a:rPr lang="ko-KR" altLang="en-US" sz="1600" dirty="0" smtClean="0"/>
+              <a:t>불량품</a:t>
             </a:r>
             <a:endParaRPr lang="ko-KR" altLang="en-US" sz="1600" dirty="0"/>
           </a:p>
         </p:txBody>
       </p:sp>
-      <p:sp>
-        <p:nvSpPr>
-          <p:cNvPr id="23" name="직사각형 22"/>
-          <p:cNvSpPr/>
+      <p:pic>
+        <p:nvPicPr>
+          <p:cNvPr id="3" name="그림 2"/>
+          <p:cNvPicPr>
+            <a:picLocks noChangeAspect="1"/>
+          </p:cNvPicPr>
           <p:nvPr/>
-        </p:nvSpPr>
-        <p:spPr>
-          <a:xfrm>
-            <a:off x="7356149" y="4656434"/>
-            <a:ext cx="1832919" cy="576650"/>
-          </a:xfrm>
-          <a:prstGeom prst="rect">
-            <a:avLst/>
-          </a:prstGeom>
-        </p:spPr>
-        <p:style>
-          <a:lnRef idx="2">
-            <a:schemeClr val="dk1"/>
-          </a:lnRef>
-          <a:fillRef idx="1">
-            <a:schemeClr val="lt1"/>
-          </a:fillRef>
-          <a:effectRef idx="0">
-            <a:schemeClr val="dk1"/>
-          </a:effectRef>
-          <a:fontRef idx="minor">
-            <a:schemeClr val="dk1"/>
-          </a:fontRef>
-        </p:style>
-        <p:txBody>
-          <a:bodyPr rtlCol="0" anchor="ctr"/>
-          <a:lstStyle/>
-          <a:p>
-            <a:pPr algn="ctr"/>
-            <a:r>
-              <a:rPr lang="ko-KR" altLang="en-US" sz="1600" dirty="0" smtClean="0"/>
-              <a:t>불량품 개수 </a:t>
-            </a:r>
-            <a:r>
-              <a:rPr lang="en-US" altLang="ko-KR" sz="1600" dirty="0" smtClean="0"/>
-              <a:t>: ~~</a:t>
-            </a:r>
-            <a:endParaRPr lang="ko-KR" altLang="en-US" sz="1600" dirty="0"/>
-          </a:p>
-        </p:txBody>
-      </p:sp>
-      <p:sp>
-        <p:nvSpPr>
-          <p:cNvPr id="24" name="직사각형 23"/>
-          <p:cNvSpPr/>
-          <p:nvPr/>
-        </p:nvSpPr>
-        <p:spPr>
-          <a:xfrm>
-            <a:off x="2887364" y="999737"/>
-            <a:ext cx="2034370" cy="3419863"/>
-          </a:xfrm>
-          <a:prstGeom prst="rect">
-            <a:avLst/>
-          </a:prstGeom>
-        </p:spPr>
-        <p:style>
-          <a:lnRef idx="2">
-            <a:schemeClr val="dk1"/>
-          </a:lnRef>
-          <a:fillRef idx="1">
-            <a:schemeClr val="lt1"/>
-          </a:fillRef>
-          <a:effectRef idx="0">
-            <a:schemeClr val="dk1"/>
-          </a:effectRef>
-          <a:fontRef idx="minor">
-            <a:schemeClr val="dk1"/>
-          </a:fontRef>
-        </p:style>
-        <p:txBody>
-          <a:bodyPr rtlCol="0" anchor="ctr"/>
-          <a:lstStyle/>
-          <a:p>
-            <a:pPr algn="ctr"/>
-            <a:r>
-              <a:rPr lang="ko-KR" altLang="en-US" sz="1600" smtClean="0"/>
-              <a:t>작업 정보</a:t>
-            </a:r>
-            <a:endParaRPr lang="ko-KR" altLang="en-US" sz="1600" dirty="0"/>
-          </a:p>
-        </p:txBody>
-      </p:sp>
+        </p:nvPicPr>
+        <p:blipFill>
+          <a:blip r:embed="rId2"/>
+          <a:stretch>
+            <a:fillRect/>
+          </a:stretch>
+        </p:blipFill>
+        <p:spPr>
+          <a:xfrm>
+            <a:off x="2913092" y="1294963"/>
+            <a:ext cx="3924848" cy="3124636"/>
+          </a:xfrm>
+          <a:prstGeom prst="rect">
+            <a:avLst/>
+          </a:prstGeom>
+        </p:spPr>
+      </p:pic>
     </p:spTree>
     <p:extLst>
       <p:ext uri="{BB962C8B-B14F-4D97-AF65-F5344CB8AC3E}">
@@ -6398,9 +5646,7 @@
             <a:avLst/>
           </a:prstGeom>
           <a:solidFill>
-            <a:schemeClr val="bg1">
-              <a:lumMod val="85000"/>
-            </a:schemeClr>
+            <a:srgbClr val="FD7B7B"/>
           </a:solidFill>
         </p:spPr>
         <p:style>
@@ -6570,152 +5816,6 @@
           <a:p>
             <a:pPr algn="ctr"/>
             <a:endParaRPr lang="ko-KR" altLang="en-US" sz="1600" dirty="0"/>
-          </a:p>
-        </p:txBody>
-      </p:sp>
-      <p:sp>
-        <p:nvSpPr>
-          <p:cNvPr id="13" name="직사각형 12"/>
-          <p:cNvSpPr/>
-          <p:nvPr/>
-        </p:nvSpPr>
-        <p:spPr>
-          <a:xfrm>
-            <a:off x="3183198" y="1352807"/>
-            <a:ext cx="4902967" cy="3778025"/>
-          </a:xfrm>
-          <a:prstGeom prst="rect">
-            <a:avLst/>
-          </a:prstGeom>
-        </p:spPr>
-        <p:style>
-          <a:lnRef idx="2">
-            <a:schemeClr val="dk1"/>
-          </a:lnRef>
-          <a:fillRef idx="1">
-            <a:schemeClr val="lt1"/>
-          </a:fillRef>
-          <a:effectRef idx="0">
-            <a:schemeClr val="dk1"/>
-          </a:effectRef>
-          <a:fontRef idx="minor">
-            <a:schemeClr val="dk1"/>
-          </a:fontRef>
-        </p:style>
-        <p:txBody>
-          <a:bodyPr rtlCol="0" anchor="ctr"/>
-          <a:lstStyle/>
-          <a:p>
-            <a:pPr algn="ctr"/>
-            <a:r>
-              <a:rPr lang="ko-KR" altLang="en-US" sz="1600" dirty="0" smtClean="0"/>
-              <a:t>정말 중지하시겠습니까</a:t>
-            </a:r>
-            <a:r>
-              <a:rPr lang="en-US" altLang="ko-KR" sz="1600" dirty="0" smtClean="0"/>
-              <a:t>?</a:t>
-            </a:r>
-          </a:p>
-          <a:p>
-            <a:pPr algn="ctr"/>
-            <a:endParaRPr lang="en-US" altLang="ko-KR" sz="1600" dirty="0"/>
-          </a:p>
-          <a:p>
-            <a:pPr algn="ctr"/>
-            <a:endParaRPr lang="en-US" altLang="ko-KR" sz="1600" dirty="0" smtClean="0"/>
-          </a:p>
-          <a:p>
-            <a:pPr algn="ctr"/>
-            <a:r>
-              <a:rPr lang="ko-KR" altLang="en-US" sz="1600" dirty="0" smtClean="0"/>
-              <a:t>예 </a:t>
-            </a:r>
-            <a:r>
-              <a:rPr lang="en-US" altLang="ko-KR" sz="1600" dirty="0" smtClean="0"/>
-              <a:t>/ </a:t>
-            </a:r>
-            <a:r>
-              <a:rPr lang="ko-KR" altLang="en-US" sz="1600" dirty="0" smtClean="0"/>
-              <a:t>아니오 </a:t>
-            </a:r>
-            <a:r>
-              <a:rPr lang="en-US" altLang="ko-KR" sz="1600" dirty="0" smtClean="0"/>
-              <a:t>(</a:t>
-            </a:r>
-            <a:r>
-              <a:rPr lang="ko-KR" altLang="en-US" sz="1600" dirty="0" smtClean="0"/>
-              <a:t>버튼</a:t>
-            </a:r>
-            <a:r>
-              <a:rPr lang="en-US" altLang="ko-KR" sz="1600" dirty="0" smtClean="0"/>
-              <a:t>)</a:t>
-            </a:r>
-            <a:endParaRPr lang="ko-KR" altLang="en-US" sz="1600" dirty="0"/>
-          </a:p>
-        </p:txBody>
-      </p:sp>
-      <p:cxnSp>
-        <p:nvCxnSpPr>
-          <p:cNvPr id="3" name="구부러진 연결선 2"/>
-          <p:cNvCxnSpPr>
-            <a:stCxn id="9" idx="3"/>
-          </p:cNvCxnSpPr>
-          <p:nvPr/>
-        </p:nvCxnSpPr>
-        <p:spPr>
-          <a:xfrm flipV="1">
-            <a:off x="2075935" y="4607859"/>
-            <a:ext cx="999687" cy="520193"/>
-          </a:xfrm>
-          <a:prstGeom prst="curvedConnector3">
-            <a:avLst/>
-          </a:prstGeom>
-          <a:ln>
-            <a:tailEnd type="triangle"/>
-          </a:ln>
-        </p:spPr>
-        <p:style>
-          <a:lnRef idx="1">
-            <a:schemeClr val="dk1"/>
-          </a:lnRef>
-          <a:fillRef idx="0">
-            <a:schemeClr val="dk1"/>
-          </a:fillRef>
-          <a:effectRef idx="0">
-            <a:schemeClr val="dk1"/>
-          </a:effectRef>
-          <a:fontRef idx="minor">
-            <a:schemeClr val="tx1"/>
-          </a:fontRef>
-        </p:style>
-      </p:cxnSp>
-      <p:sp>
-        <p:nvSpPr>
-          <p:cNvPr id="14" name="TextBox 13"/>
-          <p:cNvSpPr txBox="1"/>
-          <p:nvPr/>
-        </p:nvSpPr>
-        <p:spPr>
-          <a:xfrm>
-            <a:off x="2384940" y="4339763"/>
-            <a:ext cx="689869" cy="276999"/>
-          </a:xfrm>
-          <a:prstGeom prst="rect">
-            <a:avLst/>
-          </a:prstGeom>
-          <a:noFill/>
-        </p:spPr>
-        <p:txBody>
-          <a:bodyPr wrap="none" rtlCol="0">
-            <a:spAutoFit/>
-          </a:bodyPr>
-          <a:lstStyle/>
-          <a:p>
-            <a:r>
-              <a:rPr lang="en-US" altLang="ko-KR" sz="1200" dirty="0" smtClean="0"/>
-              <a:t>Pop up</a:t>
-            </a:r>
-            <a:endParaRPr lang="ko-KR" altLang="en-US" sz="1200" dirty="0"/>
           </a:p>
         </p:txBody>
       </p:sp>
